--- a/presentation2.pptx
+++ b/presentation2.pptx
@@ -1650,10 +1650,9 @@
         <a:lstStyle/>
         <a:p>
           <a:r>
-            <a:rPr lang="fr-FR" dirty="0" smtClean="0"/>
+            <a:rPr lang="fr-FR" dirty="0"/>
             <a:t>Avant-projet</a:t>
           </a:r>
-          <a:endParaRPr lang="fr-FR" dirty="0"/>
         </a:p>
       </dgm:t>
     </dgm:pt>
@@ -1691,10 +1690,9 @@
         <a:lstStyle/>
         <a:p>
           <a:r>
-            <a:rPr lang="fr-FR" dirty="0" smtClean="0"/>
+            <a:rPr lang="fr-FR" dirty="0"/>
             <a:t>Réalisation</a:t>
           </a:r>
-          <a:endParaRPr lang="fr-FR" dirty="0"/>
         </a:p>
       </dgm:t>
     </dgm:pt>
@@ -1732,10 +1730,9 @@
         <a:lstStyle/>
         <a:p>
           <a:r>
-            <a:rPr lang="fr-FR" dirty="0" smtClean="0"/>
+            <a:rPr lang="fr-FR" dirty="0"/>
             <a:t>Clôture</a:t>
           </a:r>
-          <a:endParaRPr lang="fr-FR" dirty="0"/>
         </a:p>
       </dgm:t>
     </dgm:pt>
@@ -1774,13 +1771,6 @@
     <dgm:pt modelId="{FD0C483C-E558-4C68-A0C9-D5F008B51F9A}" type="pres">
       <dgm:prSet presAssocID="{FF7C2206-B564-402B-8704-A973EEBB4F3F}" presName="wedge1" presStyleLbl="node1" presStyleIdx="0" presStyleCnt="3"/>
       <dgm:spPr/>
-      <dgm:t>
-        <a:bodyPr/>
-        <a:lstStyle/>
-        <a:p>
-          <a:endParaRPr lang="fr-FR"/>
-        </a:p>
-      </dgm:t>
     </dgm:pt>
     <dgm:pt modelId="{E0B3D5A7-942A-487E-9AA6-118064DE8E5D}" type="pres">
       <dgm:prSet presAssocID="{FF7C2206-B564-402B-8704-A973EEBB4F3F}" presName="dummy1a" presStyleCnt="0"/>
@@ -1799,24 +1789,10 @@
         </dgm:presLayoutVars>
       </dgm:prSet>
       <dgm:spPr/>
-      <dgm:t>
-        <a:bodyPr/>
-        <a:lstStyle/>
-        <a:p>
-          <a:endParaRPr lang="fr-FR"/>
-        </a:p>
-      </dgm:t>
     </dgm:pt>
     <dgm:pt modelId="{A18EA406-8AFC-4955-92A4-56A6EED3CA42}" type="pres">
       <dgm:prSet presAssocID="{FF7C2206-B564-402B-8704-A973EEBB4F3F}" presName="wedge2" presStyleLbl="node1" presStyleIdx="1" presStyleCnt="3"/>
       <dgm:spPr/>
-      <dgm:t>
-        <a:bodyPr/>
-        <a:lstStyle/>
-        <a:p>
-          <a:endParaRPr lang="fr-FR"/>
-        </a:p>
-      </dgm:t>
     </dgm:pt>
     <dgm:pt modelId="{349E3252-E8F8-4628-A571-CBB1637C32AD}" type="pres">
       <dgm:prSet presAssocID="{FF7C2206-B564-402B-8704-A973EEBB4F3F}" presName="dummy2a" presStyleCnt="0"/>
@@ -1835,24 +1811,10 @@
         </dgm:presLayoutVars>
       </dgm:prSet>
       <dgm:spPr/>
-      <dgm:t>
-        <a:bodyPr/>
-        <a:lstStyle/>
-        <a:p>
-          <a:endParaRPr lang="fr-FR"/>
-        </a:p>
-      </dgm:t>
     </dgm:pt>
     <dgm:pt modelId="{AA12CF04-A51B-4A82-9408-7DE93751F722}" type="pres">
       <dgm:prSet presAssocID="{FF7C2206-B564-402B-8704-A973EEBB4F3F}" presName="wedge3" presStyleLbl="node1" presStyleIdx="2" presStyleCnt="3"/>
       <dgm:spPr/>
-      <dgm:t>
-        <a:bodyPr/>
-        <a:lstStyle/>
-        <a:p>
-          <a:endParaRPr lang="fr-FR"/>
-        </a:p>
-      </dgm:t>
     </dgm:pt>
     <dgm:pt modelId="{E66526F8-49BE-4BA2-BFEF-74DA67E0DAC3}" type="pres">
       <dgm:prSet presAssocID="{FF7C2206-B564-402B-8704-A973EEBB4F3F}" presName="dummy3a" presStyleCnt="0"/>
@@ -1871,13 +1833,6 @@
         </dgm:presLayoutVars>
       </dgm:prSet>
       <dgm:spPr/>
-      <dgm:t>
-        <a:bodyPr/>
-        <a:lstStyle/>
-        <a:p>
-          <a:endParaRPr lang="fr-FR"/>
-        </a:p>
-      </dgm:t>
     </dgm:pt>
     <dgm:pt modelId="{2FE4DF45-75B7-4DA6-B449-562D15259C9D}" type="pres">
       <dgm:prSet presAssocID="{6DA9CEE5-0C0C-4494-BC4B-DBE616B60DAC}" presName="arrowWedge1" presStyleLbl="fgSibTrans2D1" presStyleIdx="0" presStyleCnt="3"/>
@@ -1911,16 +1866,16 @@
     </dgm:pt>
   </dgm:ptLst>
   <dgm:cxnLst>
+    <dgm:cxn modelId="{F17CA201-A371-4717-B6E6-932810003104}" srcId="{FF7C2206-B564-402B-8704-A973EEBB4F3F}" destId="{52B6C02F-52E8-4996-9AA8-2E554A4FDDFC}" srcOrd="0" destOrd="0" parTransId="{EE44B8FB-59E9-42F5-A55E-254D7B890DE1}" sibTransId="{6DA9CEE5-0C0C-4494-BC4B-DBE616B60DAC}"/>
+    <dgm:cxn modelId="{70148914-FFEC-437E-97BB-90D3FCACCCF9}" srcId="{FF7C2206-B564-402B-8704-A973EEBB4F3F}" destId="{F2B83C03-5A19-4CA6-B1FC-5EBBBBA4AC28}" srcOrd="2" destOrd="0" parTransId="{7109CF42-7260-47C2-B22E-B0AAD89B5392}" sibTransId="{6DA6F5CE-7A3B-4BC4-A8CF-02884CBE2E45}"/>
     <dgm:cxn modelId="{3878CB20-EF33-410B-8E85-F688831EE6F4}" type="presOf" srcId="{FF7C2206-B564-402B-8704-A973EEBB4F3F}" destId="{681CA06F-850F-433F-8E06-4FE0CEC92088}" srcOrd="0" destOrd="0" presId="urn:microsoft.com/office/officeart/2005/8/layout/cycle8"/>
-    <dgm:cxn modelId="{70148914-FFEC-437E-97BB-90D3FCACCCF9}" srcId="{FF7C2206-B564-402B-8704-A973EEBB4F3F}" destId="{F2B83C03-5A19-4CA6-B1FC-5EBBBBA4AC28}" srcOrd="2" destOrd="0" parTransId="{7109CF42-7260-47C2-B22E-B0AAD89B5392}" sibTransId="{6DA6F5CE-7A3B-4BC4-A8CF-02884CBE2E45}"/>
+    <dgm:cxn modelId="{581F692B-9671-4BAF-8320-276F0123A635}" type="presOf" srcId="{F2B83C03-5A19-4CA6-B1FC-5EBBBBA4AC28}" destId="{6A9EF95F-C8B2-4815-A5A8-B4BD6AF3F5D0}" srcOrd="1" destOrd="0" presId="urn:microsoft.com/office/officeart/2005/8/layout/cycle8"/>
+    <dgm:cxn modelId="{4A77343A-9F13-49A2-8665-E17912ACBA12}" type="presOf" srcId="{12F82094-24C9-4F0E-9B7C-313CA931D2F5}" destId="{A18EA406-8AFC-4955-92A4-56A6EED3CA42}" srcOrd="0" destOrd="0" presId="urn:microsoft.com/office/officeart/2005/8/layout/cycle8"/>
+    <dgm:cxn modelId="{1D244C67-0C70-4348-A0A6-6F02E72C109C}" type="presOf" srcId="{52B6C02F-52E8-4996-9AA8-2E554A4FDDFC}" destId="{FD0C483C-E558-4C68-A0C9-D5F008B51F9A}" srcOrd="0" destOrd="0" presId="urn:microsoft.com/office/officeart/2005/8/layout/cycle8"/>
     <dgm:cxn modelId="{C71F4A74-324E-4BA5-9661-D6D481D871C3}" type="presOf" srcId="{F2B83C03-5A19-4CA6-B1FC-5EBBBBA4AC28}" destId="{AA12CF04-A51B-4A82-9408-7DE93751F722}" srcOrd="0" destOrd="0" presId="urn:microsoft.com/office/officeart/2005/8/layout/cycle8"/>
-    <dgm:cxn modelId="{F17CA201-A371-4717-B6E6-932810003104}" srcId="{FF7C2206-B564-402B-8704-A973EEBB4F3F}" destId="{52B6C02F-52E8-4996-9AA8-2E554A4FDDFC}" srcOrd="0" destOrd="0" parTransId="{EE44B8FB-59E9-42F5-A55E-254D7B890DE1}" sibTransId="{6DA9CEE5-0C0C-4494-BC4B-DBE616B60DAC}"/>
-    <dgm:cxn modelId="{4A77343A-9F13-49A2-8665-E17912ACBA12}" type="presOf" srcId="{12F82094-24C9-4F0E-9B7C-313CA931D2F5}" destId="{A18EA406-8AFC-4955-92A4-56A6EED3CA42}" srcOrd="0" destOrd="0" presId="urn:microsoft.com/office/officeart/2005/8/layout/cycle8"/>
     <dgm:cxn modelId="{7F336359-1AF1-4731-AC67-038D1E007439}" srcId="{FF7C2206-B564-402B-8704-A973EEBB4F3F}" destId="{12F82094-24C9-4F0E-9B7C-313CA931D2F5}" srcOrd="1" destOrd="0" parTransId="{52197470-EC88-4B5D-A233-742F59C1FA9A}" sibTransId="{5C309495-3BEE-45DC-BBD9-3A7FB2F6F20D}"/>
-    <dgm:cxn modelId="{581F692B-9671-4BAF-8320-276F0123A635}" type="presOf" srcId="{F2B83C03-5A19-4CA6-B1FC-5EBBBBA4AC28}" destId="{6A9EF95F-C8B2-4815-A5A8-B4BD6AF3F5D0}" srcOrd="1" destOrd="0" presId="urn:microsoft.com/office/officeart/2005/8/layout/cycle8"/>
+    <dgm:cxn modelId="{2AD5EDA0-6A1B-41B6-A616-33BB6966643E}" type="presOf" srcId="{52B6C02F-52E8-4996-9AA8-2E554A4FDDFC}" destId="{44688443-C341-4B2E-8248-13CA2C058897}" srcOrd="1" destOrd="0" presId="urn:microsoft.com/office/officeart/2005/8/layout/cycle8"/>
     <dgm:cxn modelId="{DB2A97C1-5EDA-4C20-B4B5-D8CE177F9733}" type="presOf" srcId="{12F82094-24C9-4F0E-9B7C-313CA931D2F5}" destId="{72B06BB4-0553-46F7-9A63-93D6CAF6C171}" srcOrd="1" destOrd="0" presId="urn:microsoft.com/office/officeart/2005/8/layout/cycle8"/>
-    <dgm:cxn modelId="{2AD5EDA0-6A1B-41B6-A616-33BB6966643E}" type="presOf" srcId="{52B6C02F-52E8-4996-9AA8-2E554A4FDDFC}" destId="{44688443-C341-4B2E-8248-13CA2C058897}" srcOrd="1" destOrd="0" presId="urn:microsoft.com/office/officeart/2005/8/layout/cycle8"/>
-    <dgm:cxn modelId="{1D244C67-0C70-4348-A0A6-6F02E72C109C}" type="presOf" srcId="{52B6C02F-52E8-4996-9AA8-2E554A4FDDFC}" destId="{FD0C483C-E558-4C68-A0C9-D5F008B51F9A}" srcOrd="0" destOrd="0" presId="urn:microsoft.com/office/officeart/2005/8/layout/cycle8"/>
     <dgm:cxn modelId="{112E0C6F-5137-4921-AA21-B8B80BDF489A}" type="presParOf" srcId="{681CA06F-850F-433F-8E06-4FE0CEC92088}" destId="{FD0C483C-E558-4C68-A0C9-D5F008B51F9A}" srcOrd="0" destOrd="0" presId="urn:microsoft.com/office/officeart/2005/8/layout/cycle8"/>
     <dgm:cxn modelId="{18046E5C-34E0-434E-A71A-9137C7ED48BC}" type="presParOf" srcId="{681CA06F-850F-433F-8E06-4FE0CEC92088}" destId="{E0B3D5A7-942A-487E-9AA6-118064DE8E5D}" srcOrd="1" destOrd="0" presId="urn:microsoft.com/office/officeart/2005/8/layout/cycle8"/>
     <dgm:cxn modelId="{73F9527A-A47F-4532-A772-84AD1F87C619}" type="presParOf" srcId="{681CA06F-850F-433F-8E06-4FE0CEC92088}" destId="{D6C1E064-4C3A-4E5B-865E-CBB29E5DBB72}" srcOrd="2" destOrd="0" presId="urn:microsoft.com/office/officeart/2005/8/layout/cycle8"/>
@@ -1965,17 +1920,17 @@
         <a:lstStyle/>
         <a:p>
           <a:r>
-            <a:rPr lang="fr-FR" sz="2000" dirty="0" smtClean="0"/>
+            <a:rPr lang="fr-FR" sz="2000" dirty="0"/>
             <a:t>Prise en main du logiciel</a:t>
           </a:r>
         </a:p>
         <a:p>
           <a:r>
-            <a:rPr lang="fr-FR" sz="2000" dirty="0" smtClean="0"/>
+            <a:rPr lang="fr-FR" sz="2000" dirty="0"/>
             <a:t>Sep - </a:t>
           </a:r>
           <a:r>
-            <a:rPr lang="fr-FR" sz="2000" dirty="0" err="1" smtClean="0"/>
+            <a:rPr lang="fr-FR" sz="2000" dirty="0" err="1"/>
             <a:t>Oct</a:t>
           </a:r>
           <a:endParaRPr lang="fr-FR" sz="2000" dirty="0"/>
@@ -2012,13 +1967,13 @@
         <a:lstStyle/>
         <a:p>
           <a:r>
-            <a:rPr lang="fr-FR" sz="2000" dirty="0" smtClean="0"/>
+            <a:rPr lang="fr-FR" sz="2000" dirty="0"/>
             <a:t>Prototypage</a:t>
           </a:r>
         </a:p>
         <a:p>
           <a:r>
-            <a:rPr lang="fr-FR" sz="2000" dirty="0" err="1" smtClean="0"/>
+            <a:rPr lang="fr-FR" sz="2000" dirty="0" err="1"/>
             <a:t>Nov</a:t>
           </a:r>
           <a:endParaRPr lang="fr-FR" sz="2000" dirty="0"/>
@@ -2055,16 +2010,15 @@
         <a:lstStyle/>
         <a:p>
           <a:r>
-            <a:rPr lang="fr-FR" sz="2000" dirty="0" smtClean="0"/>
+            <a:rPr lang="fr-FR" sz="2000" dirty="0"/>
             <a:t>Développement</a:t>
           </a:r>
         </a:p>
         <a:p>
           <a:r>
-            <a:rPr lang="fr-FR" sz="2000" dirty="0" smtClean="0"/>
+            <a:rPr lang="fr-FR" sz="2000" dirty="0"/>
             <a:t>Déc - Jan</a:t>
           </a:r>
-          <a:endParaRPr lang="fr-FR" sz="2000" dirty="0"/>
         </a:p>
       </dgm:t>
     </dgm:pt>
@@ -2098,13 +2052,13 @@
         <a:lstStyle/>
         <a:p>
           <a:r>
-            <a:rPr lang="fr-FR" sz="2000" dirty="0" smtClean="0"/>
+            <a:rPr lang="fr-FR" sz="2000" dirty="0"/>
             <a:t>Portes Ouvertes</a:t>
           </a:r>
         </a:p>
         <a:p>
           <a:r>
-            <a:rPr lang="fr-FR" sz="2000" dirty="0" err="1" smtClean="0"/>
+            <a:rPr lang="fr-FR" sz="2000" dirty="0" err="1"/>
             <a:t>Fév</a:t>
           </a:r>
           <a:endParaRPr lang="fr-FR" sz="2000" dirty="0"/>
@@ -2141,16 +2095,15 @@
         <a:lstStyle/>
         <a:p>
           <a:r>
-            <a:rPr lang="fr-FR" sz="2000" dirty="0" smtClean="0"/>
+            <a:rPr lang="fr-FR" sz="2000" dirty="0"/>
             <a:t>Test par les élèves</a:t>
           </a:r>
         </a:p>
         <a:p>
           <a:r>
-            <a:rPr lang="fr-FR" sz="2000" dirty="0" smtClean="0"/>
+            <a:rPr lang="fr-FR" sz="2000" dirty="0"/>
             <a:t>Jan</a:t>
           </a:r>
-          <a:endParaRPr lang="fr-FR" sz="2000" dirty="0"/>
         </a:p>
       </dgm:t>
     </dgm:pt>
@@ -2184,16 +2137,15 @@
         <a:lstStyle/>
         <a:p>
           <a:r>
-            <a:rPr lang="fr-FR" sz="2000" dirty="0" smtClean="0"/>
+            <a:rPr lang="fr-FR" sz="2000" dirty="0"/>
             <a:t>Améliorations et finalisation</a:t>
           </a:r>
         </a:p>
         <a:p>
           <a:r>
-            <a:rPr lang="fr-FR" sz="2000" dirty="0" smtClean="0"/>
+            <a:rPr lang="fr-FR" sz="2000" dirty="0"/>
             <a:t>Mars</a:t>
           </a:r>
-          <a:endParaRPr lang="fr-FR" sz="2000" dirty="0"/>
         </a:p>
       </dgm:t>
     </dgm:pt>
@@ -2247,13 +2199,6 @@
         </dgm:presLayoutVars>
       </dgm:prSet>
       <dgm:spPr/>
-      <dgm:t>
-        <a:bodyPr/>
-        <a:lstStyle/>
-        <a:p>
-          <a:endParaRPr lang="fr-FR"/>
-        </a:p>
-      </dgm:t>
     </dgm:pt>
     <dgm:pt modelId="{4C21E7BD-C476-4CA5-8772-E541F3B39CC0}" type="pres">
       <dgm:prSet presAssocID="{B5C1A85D-A310-4FBA-8B44-E6B5DCBB29E5}" presName="circleA" presStyleLbl="node1" presStyleIdx="0" presStyleCnt="6"/>
@@ -2278,13 +2223,6 @@
         </dgm:presLayoutVars>
       </dgm:prSet>
       <dgm:spPr/>
-      <dgm:t>
-        <a:bodyPr/>
-        <a:lstStyle/>
-        <a:p>
-          <a:endParaRPr lang="fr-FR"/>
-        </a:p>
-      </dgm:t>
     </dgm:pt>
     <dgm:pt modelId="{038D82E7-1C4C-4A0F-B11B-11FD8C8C88EE}" type="pres">
       <dgm:prSet presAssocID="{D9D5C57C-ADB2-4002-AF9F-8AB2FE55FC11}" presName="circleB" presStyleLbl="node1" presStyleIdx="1" presStyleCnt="6"/>
@@ -2309,13 +2247,6 @@
         </dgm:presLayoutVars>
       </dgm:prSet>
       <dgm:spPr/>
-      <dgm:t>
-        <a:bodyPr/>
-        <a:lstStyle/>
-        <a:p>
-          <a:endParaRPr lang="fr-FR"/>
-        </a:p>
-      </dgm:t>
     </dgm:pt>
     <dgm:pt modelId="{D820C407-B18A-45B0-B0F2-476751D3D497}" type="pres">
       <dgm:prSet presAssocID="{2D5F23C9-254F-46C8-8EAB-E45877379077}" presName="circleA" presStyleLbl="node1" presStyleIdx="2" presStyleCnt="6"/>
@@ -2340,13 +2271,6 @@
         </dgm:presLayoutVars>
       </dgm:prSet>
       <dgm:spPr/>
-      <dgm:t>
-        <a:bodyPr/>
-        <a:lstStyle/>
-        <a:p>
-          <a:endParaRPr lang="fr-FR"/>
-        </a:p>
-      </dgm:t>
     </dgm:pt>
     <dgm:pt modelId="{69C649FF-90AB-442E-A903-54FBFB0B0E5D}" type="pres">
       <dgm:prSet presAssocID="{D4F82FF4-1678-4FC8-BA37-00A902F4C3FB}" presName="circleB" presStyleLbl="node1" presStyleIdx="3" presStyleCnt="6"/>
@@ -2371,13 +2295,6 @@
         </dgm:presLayoutVars>
       </dgm:prSet>
       <dgm:spPr/>
-      <dgm:t>
-        <a:bodyPr/>
-        <a:lstStyle/>
-        <a:p>
-          <a:endParaRPr lang="fr-FR"/>
-        </a:p>
-      </dgm:t>
     </dgm:pt>
     <dgm:pt modelId="{AE1FFA8D-1604-4FAF-A1D8-ECF9ECA2DFF6}" type="pres">
       <dgm:prSet presAssocID="{193DA21A-7C6C-46A6-820C-3EDB74B56881}" presName="circleA" presStyleLbl="node1" presStyleIdx="4" presStyleCnt="6"/>
@@ -2402,13 +2319,6 @@
         </dgm:presLayoutVars>
       </dgm:prSet>
       <dgm:spPr/>
-      <dgm:t>
-        <a:bodyPr/>
-        <a:lstStyle/>
-        <a:p>
-          <a:endParaRPr lang="fr-FR"/>
-        </a:p>
-      </dgm:t>
     </dgm:pt>
     <dgm:pt modelId="{89B2148F-6BBE-47DB-9B0E-ED02C49FD5D1}" type="pres">
       <dgm:prSet presAssocID="{CAD72244-5981-4B3E-91B7-3AE2AB0478FD}" presName="circleB" presStyleLbl="node1" presStyleIdx="5" presStyleCnt="6"/>
@@ -2420,18 +2330,18 @@
     </dgm:pt>
   </dgm:ptLst>
   <dgm:cxnLst>
-    <dgm:cxn modelId="{4EAD66E5-CAC7-44AB-ADB3-9E176588E86A}" type="presOf" srcId="{193DA21A-7C6C-46A6-820C-3EDB74B56881}" destId="{59EB97AF-AF3B-4E12-8961-84837A5FFB81}" srcOrd="0" destOrd="0" presId="urn:microsoft.com/office/officeart/2005/8/layout/hProcess11"/>
-    <dgm:cxn modelId="{F855BED3-7604-4C6E-81A5-BA40143537D0}" type="presOf" srcId="{D4F82FF4-1678-4FC8-BA37-00A902F4C3FB}" destId="{43EDFB40-217C-4A4C-A19F-E712206D8095}" srcOrd="0" destOrd="0" presId="urn:microsoft.com/office/officeart/2005/8/layout/hProcess11"/>
+    <dgm:cxn modelId="{D0232A24-C419-41C7-BE75-F50B4E527146}" type="presOf" srcId="{C1291187-2976-4982-85F9-12CFD30DF623}" destId="{6D9EF4F0-96BE-4982-969E-F206798924C8}" srcOrd="0" destOrd="0" presId="urn:microsoft.com/office/officeart/2005/8/layout/hProcess11"/>
+    <dgm:cxn modelId="{A80BD128-A4CC-4A18-BAAE-BF697CAC770F}" srcId="{C1291187-2976-4982-85F9-12CFD30DF623}" destId="{CAD72244-5981-4B3E-91B7-3AE2AB0478FD}" srcOrd="5" destOrd="0" parTransId="{C880E53E-AD89-4001-A2C8-48BFD964BADF}" sibTransId="{3062DAE4-F111-4365-A667-D439E5C82144}"/>
+    <dgm:cxn modelId="{C1B0A45D-A822-4F8E-862B-BDEF00292FB7}" type="presOf" srcId="{D9D5C57C-ADB2-4002-AF9F-8AB2FE55FC11}" destId="{D83729DB-8814-4413-84C8-411AD6C62FF3}" srcOrd="0" destOrd="0" presId="urn:microsoft.com/office/officeart/2005/8/layout/hProcess11"/>
+    <dgm:cxn modelId="{BA493C60-DFE7-4A53-BB6A-C7B6AC600ADF}" srcId="{C1291187-2976-4982-85F9-12CFD30DF623}" destId="{B5C1A85D-A310-4FBA-8B44-E6B5DCBB29E5}" srcOrd="0" destOrd="0" parTransId="{AC134A57-22C0-4A26-8004-C74D713950F9}" sibTransId="{BA7DD089-0433-4EF6-BA1E-C5E29C8A86E0}"/>
     <dgm:cxn modelId="{A8E72D46-154C-4B03-877A-A8B3B60C7845}" srcId="{C1291187-2976-4982-85F9-12CFD30DF623}" destId="{D4F82FF4-1678-4FC8-BA37-00A902F4C3FB}" srcOrd="3" destOrd="0" parTransId="{8BC1FF86-F058-4605-AA05-C104B6A957C0}" sibTransId="{1293B3B4-ED4F-4347-9C1F-C0119B6853B5}"/>
     <dgm:cxn modelId="{BF3A6D7D-3D27-4E6B-A193-7289E2DE07C2}" type="presOf" srcId="{2D5F23C9-254F-46C8-8EAB-E45877379077}" destId="{925C71B8-8B60-4169-9308-E3B0E5F76142}" srcOrd="0" destOrd="0" presId="urn:microsoft.com/office/officeart/2005/8/layout/hProcess11"/>
-    <dgm:cxn modelId="{D0232A24-C419-41C7-BE75-F50B4E527146}" type="presOf" srcId="{C1291187-2976-4982-85F9-12CFD30DF623}" destId="{6D9EF4F0-96BE-4982-969E-F206798924C8}" srcOrd="0" destOrd="0" presId="urn:microsoft.com/office/officeart/2005/8/layout/hProcess11"/>
+    <dgm:cxn modelId="{3F786592-5469-4B07-8B5D-8B2E801EF5ED}" srcId="{C1291187-2976-4982-85F9-12CFD30DF623}" destId="{D9D5C57C-ADB2-4002-AF9F-8AB2FE55FC11}" srcOrd="1" destOrd="0" parTransId="{BAB1E96D-AC38-49EC-873E-F4DBB44DE504}" sibTransId="{B8683046-2C3F-49F5-B3C3-B866380AF4F2}"/>
+    <dgm:cxn modelId="{AEEF6C95-A336-478F-A773-7065115C5C8F}" srcId="{C1291187-2976-4982-85F9-12CFD30DF623}" destId="{2D5F23C9-254F-46C8-8EAB-E45877379077}" srcOrd="2" destOrd="0" parTransId="{818819D8-665D-44C2-8F59-34FAB0E2F9BA}" sibTransId="{57317C1D-9BA9-437B-8BF7-0469C6B783D3}"/>
+    <dgm:cxn modelId="{8A95BEC0-D7CD-4335-B57F-3C77330F623B}" type="presOf" srcId="{B5C1A85D-A310-4FBA-8B44-E6B5DCBB29E5}" destId="{77972284-5E28-4480-903E-872B71EF2C39}" srcOrd="0" destOrd="0" presId="urn:microsoft.com/office/officeart/2005/8/layout/hProcess11"/>
     <dgm:cxn modelId="{D7E106CA-7251-4831-85CF-A52C01E9D8E1}" srcId="{C1291187-2976-4982-85F9-12CFD30DF623}" destId="{193DA21A-7C6C-46A6-820C-3EDB74B56881}" srcOrd="4" destOrd="0" parTransId="{0B326A01-A527-4D28-8CA7-E82F2635BB12}" sibTransId="{0BF33ED9-E134-45DA-A291-E776450FAD5D}"/>
-    <dgm:cxn modelId="{BA493C60-DFE7-4A53-BB6A-C7B6AC600ADF}" srcId="{C1291187-2976-4982-85F9-12CFD30DF623}" destId="{B5C1A85D-A310-4FBA-8B44-E6B5DCBB29E5}" srcOrd="0" destOrd="0" parTransId="{AC134A57-22C0-4A26-8004-C74D713950F9}" sibTransId="{BA7DD089-0433-4EF6-BA1E-C5E29C8A86E0}"/>
-    <dgm:cxn modelId="{C1B0A45D-A822-4F8E-862B-BDEF00292FB7}" type="presOf" srcId="{D9D5C57C-ADB2-4002-AF9F-8AB2FE55FC11}" destId="{D83729DB-8814-4413-84C8-411AD6C62FF3}" srcOrd="0" destOrd="0" presId="urn:microsoft.com/office/officeart/2005/8/layout/hProcess11"/>
-    <dgm:cxn modelId="{AEEF6C95-A336-478F-A773-7065115C5C8F}" srcId="{C1291187-2976-4982-85F9-12CFD30DF623}" destId="{2D5F23C9-254F-46C8-8EAB-E45877379077}" srcOrd="2" destOrd="0" parTransId="{818819D8-665D-44C2-8F59-34FAB0E2F9BA}" sibTransId="{57317C1D-9BA9-437B-8BF7-0469C6B783D3}"/>
-    <dgm:cxn modelId="{3F786592-5469-4B07-8B5D-8B2E801EF5ED}" srcId="{C1291187-2976-4982-85F9-12CFD30DF623}" destId="{D9D5C57C-ADB2-4002-AF9F-8AB2FE55FC11}" srcOrd="1" destOrd="0" parTransId="{BAB1E96D-AC38-49EC-873E-F4DBB44DE504}" sibTransId="{B8683046-2C3F-49F5-B3C3-B866380AF4F2}"/>
-    <dgm:cxn modelId="{8A95BEC0-D7CD-4335-B57F-3C77330F623B}" type="presOf" srcId="{B5C1A85D-A310-4FBA-8B44-E6B5DCBB29E5}" destId="{77972284-5E28-4480-903E-872B71EF2C39}" srcOrd="0" destOrd="0" presId="urn:microsoft.com/office/officeart/2005/8/layout/hProcess11"/>
-    <dgm:cxn modelId="{A80BD128-A4CC-4A18-BAAE-BF697CAC770F}" srcId="{C1291187-2976-4982-85F9-12CFD30DF623}" destId="{CAD72244-5981-4B3E-91B7-3AE2AB0478FD}" srcOrd="5" destOrd="0" parTransId="{C880E53E-AD89-4001-A2C8-48BFD964BADF}" sibTransId="{3062DAE4-F111-4365-A667-D439E5C82144}"/>
+    <dgm:cxn modelId="{F855BED3-7604-4C6E-81A5-BA40143537D0}" type="presOf" srcId="{D4F82FF4-1678-4FC8-BA37-00A902F4C3FB}" destId="{43EDFB40-217C-4A4C-A19F-E712206D8095}" srcOrd="0" destOrd="0" presId="urn:microsoft.com/office/officeart/2005/8/layout/hProcess11"/>
+    <dgm:cxn modelId="{4EAD66E5-CAC7-44AB-ADB3-9E176588E86A}" type="presOf" srcId="{193DA21A-7C6C-46A6-820C-3EDB74B56881}" destId="{59EB97AF-AF3B-4E12-8961-84837A5FFB81}" srcOrd="0" destOrd="0" presId="urn:microsoft.com/office/officeart/2005/8/layout/hProcess11"/>
     <dgm:cxn modelId="{206A45F6-E12F-4CC4-9638-611F6D2818C6}" type="presOf" srcId="{CAD72244-5981-4B3E-91B7-3AE2AB0478FD}" destId="{136B3728-3264-4700-960C-5E004300A658}" srcOrd="0" destOrd="0" presId="urn:microsoft.com/office/officeart/2005/8/layout/hProcess11"/>
     <dgm:cxn modelId="{54F7968C-890E-4D74-81AC-967614B98040}" type="presParOf" srcId="{6D9EF4F0-96BE-4982-969E-F206798924C8}" destId="{0EEBDE07-3DB8-42F7-AF63-23AB0A88FC0E}" srcOrd="0" destOrd="0" presId="urn:microsoft.com/office/officeart/2005/8/layout/hProcess11"/>
     <dgm:cxn modelId="{8B1BB4E3-35A8-43FA-970C-12C6FBE57413}" type="presParOf" srcId="{6D9EF4F0-96BE-4982-969E-F206798924C8}" destId="{072CD9D5-9CCA-451F-B411-46B89E63B209}" srcOrd="1" destOrd="0" presId="urn:microsoft.com/office/officeart/2005/8/layout/hProcess11"/>
@@ -2533,7 +2443,7 @@
         </a:bodyPr>
         <a:lstStyle/>
         <a:p>
-          <a:pPr lvl="0" algn="ctr" defTabSz="1511300">
+          <a:pPr marL="0" lvl="0" indent="0" algn="ctr" defTabSz="1511300">
             <a:lnSpc>
               <a:spcPct val="90000"/>
             </a:lnSpc>
@@ -2543,12 +2453,12 @@
             <a:spcAft>
               <a:spcPct val="35000"/>
             </a:spcAft>
+            <a:buNone/>
           </a:pPr>
           <a:r>
-            <a:rPr lang="fr-FR" sz="3400" kern="1200" dirty="0" smtClean="0"/>
+            <a:rPr lang="fr-FR" sz="3400" kern="1200" dirty="0"/>
             <a:t>Avant-projet</a:t>
           </a:r>
-          <a:endParaRPr lang="fr-FR" sz="3400" kern="1200" dirty="0"/>
         </a:p>
       </dsp:txBody>
       <dsp:txXfrm>
@@ -2606,7 +2516,7 @@
         </a:bodyPr>
         <a:lstStyle/>
         <a:p>
-          <a:pPr lvl="0" algn="ctr" defTabSz="1511300">
+          <a:pPr marL="0" lvl="0" indent="0" algn="ctr" defTabSz="1511300">
             <a:lnSpc>
               <a:spcPct val="90000"/>
             </a:lnSpc>
@@ -2616,12 +2526,12 @@
             <a:spcAft>
               <a:spcPct val="35000"/>
             </a:spcAft>
+            <a:buNone/>
           </a:pPr>
           <a:r>
-            <a:rPr lang="fr-FR" sz="3400" kern="1200" dirty="0" smtClean="0"/>
+            <a:rPr lang="fr-FR" sz="3400" kern="1200" dirty="0"/>
             <a:t>Réalisation</a:t>
           </a:r>
-          <a:endParaRPr lang="fr-FR" sz="3400" kern="1200" dirty="0"/>
         </a:p>
       </dsp:txBody>
       <dsp:txXfrm>
@@ -2679,7 +2589,7 @@
         </a:bodyPr>
         <a:lstStyle/>
         <a:p>
-          <a:pPr lvl="0" algn="ctr" defTabSz="1511300">
+          <a:pPr marL="0" lvl="0" indent="0" algn="ctr" defTabSz="1511300">
             <a:lnSpc>
               <a:spcPct val="90000"/>
             </a:lnSpc>
@@ -2689,12 +2599,12 @@
             <a:spcAft>
               <a:spcPct val="35000"/>
             </a:spcAft>
+            <a:buNone/>
           </a:pPr>
           <a:r>
-            <a:rPr lang="fr-FR" sz="3400" kern="1200" dirty="0" smtClean="0"/>
+            <a:rPr lang="fr-FR" sz="3400" kern="1200" dirty="0"/>
             <a:t>Clôture</a:t>
           </a:r>
-          <a:endParaRPr lang="fr-FR" sz="3400" kern="1200" dirty="0"/>
         </a:p>
       </dsp:txBody>
       <dsp:txXfrm>
@@ -2941,7 +2851,7 @@
         </a:bodyPr>
         <a:lstStyle/>
         <a:p>
-          <a:pPr lvl="0" algn="ctr" defTabSz="889000">
+          <a:pPr marL="0" lvl="0" indent="0" algn="ctr" defTabSz="889000">
             <a:lnSpc>
               <a:spcPct val="90000"/>
             </a:lnSpc>
@@ -2951,14 +2861,15 @@
             <a:spcAft>
               <a:spcPct val="35000"/>
             </a:spcAft>
+            <a:buNone/>
           </a:pPr>
           <a:r>
-            <a:rPr lang="fr-FR" sz="2000" kern="1200" dirty="0" smtClean="0"/>
+            <a:rPr lang="fr-FR" sz="2000" kern="1200" dirty="0"/>
             <a:t>Prise en main du logiciel</a:t>
           </a:r>
         </a:p>
         <a:p>
-          <a:pPr lvl="0" algn="ctr" defTabSz="889000">
+          <a:pPr marL="0" lvl="0" indent="0" algn="ctr" defTabSz="889000">
             <a:lnSpc>
               <a:spcPct val="90000"/>
             </a:lnSpc>
@@ -2968,13 +2879,14 @@
             <a:spcAft>
               <a:spcPct val="35000"/>
             </a:spcAft>
+            <a:buNone/>
           </a:pPr>
           <a:r>
-            <a:rPr lang="fr-FR" sz="2000" kern="1200" dirty="0" smtClean="0"/>
+            <a:rPr lang="fr-FR" sz="2000" kern="1200" dirty="0"/>
             <a:t>Sep - </a:t>
           </a:r>
           <a:r>
-            <a:rPr lang="fr-FR" sz="2000" kern="1200" dirty="0" err="1" smtClean="0"/>
+            <a:rPr lang="fr-FR" sz="2000" kern="1200" dirty="0" err="1"/>
             <a:t>Oct</a:t>
           </a:r>
           <a:endParaRPr lang="fr-FR" sz="2000" kern="1200" dirty="0"/>
@@ -3071,7 +2983,7 @@
         </a:bodyPr>
         <a:lstStyle/>
         <a:p>
-          <a:pPr lvl="0" algn="ctr" defTabSz="889000">
+          <a:pPr marL="0" lvl="0" indent="0" algn="ctr" defTabSz="889000">
             <a:lnSpc>
               <a:spcPct val="90000"/>
             </a:lnSpc>
@@ -3081,14 +2993,15 @@
             <a:spcAft>
               <a:spcPct val="35000"/>
             </a:spcAft>
+            <a:buNone/>
           </a:pPr>
           <a:r>
-            <a:rPr lang="fr-FR" sz="2000" kern="1200" dirty="0" smtClean="0"/>
+            <a:rPr lang="fr-FR" sz="2000" kern="1200" dirty="0"/>
             <a:t>Prototypage</a:t>
           </a:r>
         </a:p>
         <a:p>
-          <a:pPr lvl="0" algn="ctr" defTabSz="889000">
+          <a:pPr marL="0" lvl="0" indent="0" algn="ctr" defTabSz="889000">
             <a:lnSpc>
               <a:spcPct val="90000"/>
             </a:lnSpc>
@@ -3098,9 +3011,10 @@
             <a:spcAft>
               <a:spcPct val="35000"/>
             </a:spcAft>
+            <a:buNone/>
           </a:pPr>
           <a:r>
-            <a:rPr lang="fr-FR" sz="2000" kern="1200" dirty="0" err="1" smtClean="0"/>
+            <a:rPr lang="fr-FR" sz="2000" kern="1200" dirty="0" err="1"/>
             <a:t>Nov</a:t>
           </a:r>
           <a:endParaRPr lang="fr-FR" sz="2000" kern="1200" dirty="0"/>
@@ -3197,7 +3111,7 @@
         </a:bodyPr>
         <a:lstStyle/>
         <a:p>
-          <a:pPr lvl="0" algn="ctr" defTabSz="889000">
+          <a:pPr marL="0" lvl="0" indent="0" algn="ctr" defTabSz="889000">
             <a:lnSpc>
               <a:spcPct val="90000"/>
             </a:lnSpc>
@@ -3207,14 +3121,15 @@
             <a:spcAft>
               <a:spcPct val="35000"/>
             </a:spcAft>
+            <a:buNone/>
           </a:pPr>
           <a:r>
-            <a:rPr lang="fr-FR" sz="2000" kern="1200" dirty="0" smtClean="0"/>
+            <a:rPr lang="fr-FR" sz="2000" kern="1200" dirty="0"/>
             <a:t>Développement</a:t>
           </a:r>
         </a:p>
         <a:p>
-          <a:pPr lvl="0" algn="ctr" defTabSz="889000">
+          <a:pPr marL="0" lvl="0" indent="0" algn="ctr" defTabSz="889000">
             <a:lnSpc>
               <a:spcPct val="90000"/>
             </a:lnSpc>
@@ -3224,12 +3139,12 @@
             <a:spcAft>
               <a:spcPct val="35000"/>
             </a:spcAft>
+            <a:buNone/>
           </a:pPr>
           <a:r>
-            <a:rPr lang="fr-FR" sz="2000" kern="1200" dirty="0" smtClean="0"/>
+            <a:rPr lang="fr-FR" sz="2000" kern="1200" dirty="0"/>
             <a:t>Déc - Jan</a:t>
           </a:r>
-          <a:endParaRPr lang="fr-FR" sz="2000" kern="1200" dirty="0"/>
         </a:p>
       </dsp:txBody>
       <dsp:txXfrm>
@@ -3323,7 +3238,7 @@
         </a:bodyPr>
         <a:lstStyle/>
         <a:p>
-          <a:pPr lvl="0" algn="ctr" defTabSz="889000">
+          <a:pPr marL="0" lvl="0" indent="0" algn="ctr" defTabSz="889000">
             <a:lnSpc>
               <a:spcPct val="90000"/>
             </a:lnSpc>
@@ -3333,14 +3248,15 @@
             <a:spcAft>
               <a:spcPct val="35000"/>
             </a:spcAft>
+            <a:buNone/>
           </a:pPr>
           <a:r>
-            <a:rPr lang="fr-FR" sz="2000" kern="1200" dirty="0" smtClean="0"/>
+            <a:rPr lang="fr-FR" sz="2000" kern="1200" dirty="0"/>
             <a:t>Test par les élèves</a:t>
           </a:r>
         </a:p>
         <a:p>
-          <a:pPr lvl="0" algn="ctr" defTabSz="889000">
+          <a:pPr marL="0" lvl="0" indent="0" algn="ctr" defTabSz="889000">
             <a:lnSpc>
               <a:spcPct val="90000"/>
             </a:lnSpc>
@@ -3350,12 +3266,12 @@
             <a:spcAft>
               <a:spcPct val="35000"/>
             </a:spcAft>
+            <a:buNone/>
           </a:pPr>
           <a:r>
-            <a:rPr lang="fr-FR" sz="2000" kern="1200" dirty="0" smtClean="0"/>
+            <a:rPr lang="fr-FR" sz="2000" kern="1200" dirty="0"/>
             <a:t>Jan</a:t>
           </a:r>
-          <a:endParaRPr lang="fr-FR" sz="2000" kern="1200" dirty="0"/>
         </a:p>
       </dsp:txBody>
       <dsp:txXfrm>
@@ -3449,7 +3365,7 @@
         </a:bodyPr>
         <a:lstStyle/>
         <a:p>
-          <a:pPr lvl="0" algn="ctr" defTabSz="889000">
+          <a:pPr marL="0" lvl="0" indent="0" algn="ctr" defTabSz="889000">
             <a:lnSpc>
               <a:spcPct val="90000"/>
             </a:lnSpc>
@@ -3459,14 +3375,15 @@
             <a:spcAft>
               <a:spcPct val="35000"/>
             </a:spcAft>
+            <a:buNone/>
           </a:pPr>
           <a:r>
-            <a:rPr lang="fr-FR" sz="2000" kern="1200" dirty="0" smtClean="0"/>
+            <a:rPr lang="fr-FR" sz="2000" kern="1200" dirty="0"/>
             <a:t>Portes Ouvertes</a:t>
           </a:r>
         </a:p>
         <a:p>
-          <a:pPr lvl="0" algn="ctr" defTabSz="889000">
+          <a:pPr marL="0" lvl="0" indent="0" algn="ctr" defTabSz="889000">
             <a:lnSpc>
               <a:spcPct val="90000"/>
             </a:lnSpc>
@@ -3476,9 +3393,10 @@
             <a:spcAft>
               <a:spcPct val="35000"/>
             </a:spcAft>
+            <a:buNone/>
           </a:pPr>
           <a:r>
-            <a:rPr lang="fr-FR" sz="2000" kern="1200" dirty="0" err="1" smtClean="0"/>
+            <a:rPr lang="fr-FR" sz="2000" kern="1200" dirty="0" err="1"/>
             <a:t>Fév</a:t>
           </a:r>
           <a:endParaRPr lang="fr-FR" sz="2000" kern="1200" dirty="0"/>
@@ -3575,7 +3493,7 @@
         </a:bodyPr>
         <a:lstStyle/>
         <a:p>
-          <a:pPr lvl="0" algn="ctr" defTabSz="889000">
+          <a:pPr marL="0" lvl="0" indent="0" algn="ctr" defTabSz="889000">
             <a:lnSpc>
               <a:spcPct val="90000"/>
             </a:lnSpc>
@@ -3585,14 +3503,15 @@
             <a:spcAft>
               <a:spcPct val="35000"/>
             </a:spcAft>
+            <a:buNone/>
           </a:pPr>
           <a:r>
-            <a:rPr lang="fr-FR" sz="2000" kern="1200" dirty="0" smtClean="0"/>
+            <a:rPr lang="fr-FR" sz="2000" kern="1200" dirty="0"/>
             <a:t>Améliorations et finalisation</a:t>
           </a:r>
         </a:p>
         <a:p>
-          <a:pPr lvl="0" algn="ctr" defTabSz="889000">
+          <a:pPr marL="0" lvl="0" indent="0" algn="ctr" defTabSz="889000">
             <a:lnSpc>
               <a:spcPct val="90000"/>
             </a:lnSpc>
@@ -3602,12 +3521,12 @@
             <a:spcAft>
               <a:spcPct val="35000"/>
             </a:spcAft>
+            <a:buNone/>
           </a:pPr>
           <a:r>
-            <a:rPr lang="fr-FR" sz="2000" kern="1200" dirty="0" smtClean="0"/>
+            <a:rPr lang="fr-FR" sz="2000" kern="1200" dirty="0"/>
             <a:t>Mars</a:t>
           </a:r>
-          <a:endParaRPr lang="fr-FR" sz="2000" kern="1200" dirty="0"/>
         </a:p>
       </dsp:txBody>
       <dsp:txXfrm>
@@ -7850,7 +7769,7 @@
           <a:p>
             <a:fld id="{0C1B054F-F1C7-4390-BA67-25B9ECAC0932}" type="datetimeFigureOut">
               <a:rPr lang="fr-FR" smtClean="0"/>
-              <a:t>01/06/2018</a:t>
+              <a:t>04/06/2018</a:t>
             </a:fld>
             <a:endParaRPr lang="fr-FR"/>
           </a:p>
@@ -8015,7 +7934,7 @@
           <a:p>
             <a:fld id="{7F2353E4-F211-4D92-A9C2-88B27EAE0D86}" type="datetimeFigureOut">
               <a:rPr lang="fr-FR" smtClean="0"/>
-              <a:t>01/06/2018</a:t>
+              <a:t>04/06/2018</a:t>
             </a:fld>
             <a:endParaRPr lang="fr-FR"/>
           </a:p>
@@ -9392,7 +9311,7 @@
           <a:p>
             <a:fld id="{19034828-492C-4BF8-838F-DFE0A47C27A2}" type="datetime1">
               <a:rPr lang="fr-FR" smtClean="0"/>
-              <a:t>01/06/2018</a:t>
+              <a:t>04/06/2018</a:t>
             </a:fld>
             <a:endParaRPr lang="fr-FR"/>
           </a:p>
@@ -9518,13 +9437,6 @@
   <p:clrMapOvr>
     <a:masterClrMapping/>
   </p:clrMapOvr>
-  <p:timing>
-    <p:tnLst>
-      <p:par>
-        <p:cTn id="1" dur="indefinite" restart="never" nodeType="tmRoot"/>
-      </p:par>
-    </p:tnLst>
-  </p:timing>
 </p:sldLayout>
 </file>
 
@@ -9637,7 +9549,7 @@
           <a:p>
             <a:fld id="{5A7B5B1E-58B3-4189-BE6B-54FFEE6C91B9}" type="datetime1">
               <a:rPr lang="fr-FR" smtClean="0"/>
-              <a:t>01/06/2018</a:t>
+              <a:t>04/06/2018</a:t>
             </a:fld>
             <a:endParaRPr lang="fr-FR"/>
           </a:p>
@@ -9817,7 +9729,7 @@
           <a:p>
             <a:fld id="{928C4950-2C1D-41D4-93C4-831BBAD10353}" type="datetime1">
               <a:rPr lang="fr-FR" smtClean="0"/>
-              <a:t>01/06/2018</a:t>
+              <a:t>04/06/2018</a:t>
             </a:fld>
             <a:endParaRPr lang="fr-FR"/>
           </a:p>
@@ -9987,7 +9899,7 @@
           <a:p>
             <a:fld id="{75A1F335-6A11-4DD0-9FFE-D9F6E6522CD9}" type="datetime1">
               <a:rPr lang="fr-FR" smtClean="0"/>
-              <a:t>01/06/2018</a:t>
+              <a:t>04/06/2018</a:t>
             </a:fld>
             <a:endParaRPr lang="fr-FR"/>
           </a:p>
@@ -10045,13 +9957,6 @@
   <p:clrMapOvr>
     <a:masterClrMapping/>
   </p:clrMapOvr>
-  <p:timing>
-    <p:tnLst>
-      <p:par>
-        <p:cTn id="1" dur="indefinite" restart="never" nodeType="tmRoot"/>
-      </p:par>
-    </p:tnLst>
-  </p:timing>
 </p:sldLayout>
 </file>
 
@@ -10270,7 +10175,7 @@
           <a:p>
             <a:fld id="{6AB8F4BB-9B82-4147-A05E-1342937CE3A0}" type="datetime1">
               <a:rPr lang="fr-FR" smtClean="0"/>
-              <a:t>01/06/2018</a:t>
+              <a:t>04/06/2018</a:t>
             </a:fld>
             <a:endParaRPr lang="fr-FR"/>
           </a:p>
@@ -11471,7 +11376,7 @@
           <a:p>
             <a:fld id="{99A579F9-A1F1-4CE5-BCD1-7D878D8D140D}" type="datetime1">
               <a:rPr lang="fr-FR" smtClean="0"/>
-              <a:t>01/06/2018</a:t>
+              <a:t>04/06/2018</a:t>
             </a:fld>
             <a:endParaRPr lang="fr-FR"/>
           </a:p>
@@ -11861,7 +11766,7 @@
           <a:p>
             <a:fld id="{C2EFC0ED-4F4C-4EFE-BC3A-D9589B659E5B}" type="datetime1">
               <a:rPr lang="fr-FR" smtClean="0"/>
-              <a:t>01/06/2018</a:t>
+              <a:t>04/06/2018</a:t>
             </a:fld>
             <a:endParaRPr lang="fr-FR"/>
           </a:p>
@@ -11984,7 +11889,7 @@
           <a:p>
             <a:fld id="{FE45A93C-D8E8-40BB-9E9B-786750354920}" type="datetime1">
               <a:rPr lang="fr-FR" smtClean="0"/>
-              <a:t>01/06/2018</a:t>
+              <a:t>04/06/2018</a:t>
             </a:fld>
             <a:endParaRPr lang="fr-FR"/>
           </a:p>
@@ -12079,7 +11984,7 @@
           <a:p>
             <a:fld id="{D7708042-26CD-434D-870C-3C1632542A56}" type="datetime1">
               <a:rPr lang="fr-FR" smtClean="0"/>
-              <a:t>01/06/2018</a:t>
+              <a:t>04/06/2018</a:t>
             </a:fld>
             <a:endParaRPr lang="fr-FR"/>
           </a:p>
@@ -12842,7 +12747,7 @@
           <a:p>
             <a:fld id="{225EA6C9-075A-4D2F-831A-D62775FC5E14}" type="datetime1">
               <a:rPr lang="fr-FR" smtClean="0"/>
-              <a:t>01/06/2018</a:t>
+              <a:t>04/06/2018</a:t>
             </a:fld>
             <a:endParaRPr lang="fr-FR"/>
           </a:p>
@@ -13682,7 +13587,7 @@
           <a:p>
             <a:fld id="{CC085477-BFC9-47B5-A40D-362FD58003F0}" type="datetime1">
               <a:rPr lang="fr-FR" smtClean="0"/>
-              <a:t>01/06/2018</a:t>
+              <a:t>04/06/2018</a:t>
             </a:fld>
             <a:endParaRPr lang="fr-FR"/>
           </a:p>
@@ -13909,7 +13814,7 @@
           <a:p>
             <a:fld id="{DCFB8DDD-D7FD-484D-89F3-EE10CDCB8858}" type="datetime1">
               <a:rPr lang="fr-FR" smtClean="0"/>
-              <a:t>01/06/2018</a:t>
+              <a:t>04/06/2018</a:t>
             </a:fld>
             <a:endParaRPr lang="fr-FR"/>
           </a:p>
@@ -14154,13 +14059,6 @@
     <p:sldLayoutId id="2147483771" r:id="rId10"/>
     <p:sldLayoutId id="2147483772" r:id="rId11"/>
   </p:sldLayoutIdLst>
-  <p:timing>
-    <p:tnLst>
-      <p:par>
-        <p:cTn id="1" dur="indefinite" restart="never" nodeType="tmRoot"/>
-      </p:par>
-    </p:tnLst>
-  </p:timing>
   <p:hf hdr="0" ftr="0" dt="0"/>
   <p:txStyles>
     <p:titleStyle>
@@ -14557,7 +14455,7 @@
           <p:cNvPr id="2" name="Title 1">
             <a:extLst>
               <a:ext uri="{FF2B5EF4-FFF2-40B4-BE49-F238E27FC236}">
-                <a16:creationId xmlns:a16="http://schemas.microsoft.com/office/drawing/2014/main" xmlns="" id="{CA2081F7-1F5A-4619-BCC4-5226FB952117}"/>
+                <a16:creationId xmlns:a16="http://schemas.microsoft.com/office/drawing/2014/main" id="{CA2081F7-1F5A-4619-BCC4-5226FB952117}"/>
               </a:ext>
             </a:extLst>
           </p:cNvPr>
@@ -14585,7 +14483,7 @@
           <p:cNvPr id="3" name="Subtitle 2">
             <a:extLst>
               <a:ext uri="{FF2B5EF4-FFF2-40B4-BE49-F238E27FC236}">
-                <a16:creationId xmlns:a16="http://schemas.microsoft.com/office/drawing/2014/main" xmlns="" id="{55351F4F-36DB-4947-A99A-581F55678DB1}"/>
+                <a16:creationId xmlns:a16="http://schemas.microsoft.com/office/drawing/2014/main" id="{55351F4F-36DB-4947-A99A-581F55678DB1}"/>
               </a:ext>
             </a:extLst>
           </p:cNvPr>
@@ -14727,13 +14625,6 @@
   <p:clrMapOvr>
     <a:masterClrMapping/>
   </p:clrMapOvr>
-  <p:timing>
-    <p:tnLst>
-      <p:par>
-        <p:cTn id="1" dur="indefinite" restart="never" nodeType="tmRoot"/>
-      </p:par>
-    </p:tnLst>
-  </p:timing>
 </p:sld>
 </file>
 
@@ -14759,7 +14650,7 @@
           <p:cNvPr id="2" name="Title 1">
             <a:extLst>
               <a:ext uri="{FF2B5EF4-FFF2-40B4-BE49-F238E27FC236}">
-                <a16:creationId xmlns:a16="http://schemas.microsoft.com/office/drawing/2014/main" xmlns="" id="{96F14647-22CF-4391-B119-A642CC7C2197}"/>
+                <a16:creationId xmlns:a16="http://schemas.microsoft.com/office/drawing/2014/main" id="{96F14647-22CF-4391-B119-A642CC7C2197}"/>
               </a:ext>
             </a:extLst>
           </p:cNvPr>
@@ -14857,10 +14748,9 @@
           <a:lstStyle/>
           <a:p>
             <a:r>
-              <a:rPr lang="fr-FR" dirty="0" smtClean="0"/>
+              <a:rPr lang="fr-FR" dirty="0"/>
               <a:t>Matières MMI</a:t>
             </a:r>
-            <a:endParaRPr lang="fr-FR" dirty="0"/>
           </a:p>
         </p:txBody>
       </p:sp>
@@ -14887,10 +14777,9 @@
           <a:lstStyle/>
           <a:p>
             <a:r>
-              <a:rPr lang="fr-FR" dirty="0" smtClean="0"/>
+              <a:rPr lang="fr-FR" dirty="0"/>
               <a:t>Une journée à l’IUT</a:t>
             </a:r>
-            <a:endParaRPr lang="fr-FR" dirty="0"/>
           </a:p>
         </p:txBody>
       </p:sp>
@@ -14917,10 +14806,9 @@
           <a:lstStyle/>
           <a:p>
             <a:r>
-              <a:rPr lang="fr-FR" dirty="0" smtClean="0"/>
+              <a:rPr lang="fr-FR" dirty="0"/>
               <a:t>Jeu de rôle</a:t>
             </a:r>
-            <a:endParaRPr lang="fr-FR" dirty="0"/>
           </a:p>
         </p:txBody>
       </p:sp>
@@ -14947,10 +14835,9 @@
           <a:lstStyle/>
           <a:p>
             <a:r>
-              <a:rPr lang="fr-FR" dirty="0" smtClean="0"/>
+              <a:rPr lang="fr-FR" dirty="0"/>
               <a:t>Création de CV</a:t>
             </a:r>
-            <a:endParaRPr lang="fr-FR" dirty="0"/>
           </a:p>
         </p:txBody>
       </p:sp>
@@ -14977,10 +14864,9 @@
           <a:lstStyle/>
           <a:p>
             <a:r>
-              <a:rPr lang="fr-FR" dirty="0" smtClean="0"/>
+              <a:rPr lang="fr-FR" dirty="0"/>
               <a:t>Jeu de gestion marketing</a:t>
             </a:r>
-            <a:endParaRPr lang="fr-FR" dirty="0"/>
           </a:p>
         </p:txBody>
       </p:sp>
@@ -15007,10 +14893,9 @@
           <a:lstStyle/>
           <a:p>
             <a:r>
-              <a:rPr lang="fr-FR" dirty="0" smtClean="0"/>
+              <a:rPr lang="fr-FR" dirty="0"/>
               <a:t>Jeu de plateau</a:t>
             </a:r>
-            <a:endParaRPr lang="fr-FR" dirty="0"/>
           </a:p>
         </p:txBody>
       </p:sp>
@@ -15024,13 +14909,6 @@
   <p:clrMapOvr>
     <a:masterClrMapping/>
   </p:clrMapOvr>
-  <p:timing>
-    <p:tnLst>
-      <p:par>
-        <p:cTn id="1" dur="indefinite" restart="never" nodeType="tmRoot"/>
-      </p:par>
-    </p:tnLst>
-  </p:timing>
 </p:sld>
 </file>
 
@@ -15056,7 +14934,7 @@
           <p:cNvPr id="2" name="Title 1">
             <a:extLst>
               <a:ext uri="{FF2B5EF4-FFF2-40B4-BE49-F238E27FC236}">
-                <a16:creationId xmlns:a16="http://schemas.microsoft.com/office/drawing/2014/main" xmlns="" id="{0B0A5E95-D16B-43B3-A317-15CA1A2BD57C}"/>
+                <a16:creationId xmlns:a16="http://schemas.microsoft.com/office/drawing/2014/main" id="{0B0A5E95-D16B-43B3-A317-15CA1A2BD57C}"/>
               </a:ext>
             </a:extLst>
           </p:cNvPr>
@@ -15137,13 +15015,6 @@
   <p:clrMapOvr>
     <a:masterClrMapping/>
   </p:clrMapOvr>
-  <p:timing>
-    <p:tnLst>
-      <p:par>
-        <p:cTn id="1" dur="indefinite" restart="never" nodeType="tmRoot"/>
-      </p:par>
-    </p:tnLst>
-  </p:timing>
 </p:sld>
 </file>
 
@@ -15169,7 +15040,7 @@
           <p:cNvPr id="2" name="Title 1">
             <a:extLst>
               <a:ext uri="{FF2B5EF4-FFF2-40B4-BE49-F238E27FC236}">
-                <a16:creationId xmlns:a16="http://schemas.microsoft.com/office/drawing/2014/main" xmlns="" id="{437A6E0B-79D7-446F-B6BB-C40DFE6043FE}"/>
+                <a16:creationId xmlns:a16="http://schemas.microsoft.com/office/drawing/2014/main" id="{437A6E0B-79D7-446F-B6BB-C40DFE6043FE}"/>
               </a:ext>
             </a:extLst>
           </p:cNvPr>
@@ -15234,11 +15105,11 @@
               <a:buNone/>
             </a:pPr>
             <a:r>
-              <a:rPr lang="fr-FR" dirty="0" smtClean="0"/>
+              <a:rPr lang="fr-FR" dirty="0"/>
               <a:t>Gestion de projet </a:t>
             </a:r>
             <a:r>
-              <a:rPr lang="fr-FR" dirty="0" smtClean="0">
+              <a:rPr lang="fr-FR" dirty="0">
                 <a:sym typeface="Wingdings" panose="05000000000000000000" pitchFamily="2" charset="2"/>
               </a:rPr>
               <a:t> Se prête bien à un jeu de plateau</a:t>
@@ -15249,7 +15120,7 @@
               <a:buNone/>
             </a:pPr>
             <a:r>
-              <a:rPr lang="fr-FR" dirty="0" smtClean="0">
+              <a:rPr lang="fr-FR" dirty="0">
                 <a:sym typeface="Wingdings" panose="05000000000000000000" pitchFamily="2" charset="2"/>
               </a:rPr>
               <a:t>Actions spéciales  Utilisation des différents outils (QQOQCP, Brainstorming …)</a:t>
@@ -15303,13 +15174,6 @@
   <p:clrMapOvr>
     <a:masterClrMapping/>
   </p:clrMapOvr>
-  <p:timing>
-    <p:tnLst>
-      <p:par>
-        <p:cTn id="1" dur="indefinite" restart="never" nodeType="tmRoot"/>
-      </p:par>
-    </p:tnLst>
-  </p:timing>
 </p:sld>
 </file>
 
@@ -15330,40 +15194,12 @@
           <a:chExt cx="0" cy="0"/>
         </a:xfrm>
       </p:grpSpPr>
-      <p:sp>
-        <p:nvSpPr>
-          <p:cNvPr id="2" name="Title 1">
+      <p:pic>
+        <p:nvPicPr>
+          <p:cNvPr id="5" name="Image 4">
             <a:extLst>
               <a:ext uri="{FF2B5EF4-FFF2-40B4-BE49-F238E27FC236}">
-                <a16:creationId xmlns:a16="http://schemas.microsoft.com/office/drawing/2014/main" xmlns="" id="{F283C22D-4F1C-47F6-A2DC-3B429FBB043F}"/>
-              </a:ext>
-            </a:extLst>
-          </p:cNvPr>
-          <p:cNvSpPr>
-            <a:spLocks noGrp="1"/>
-          </p:cNvSpPr>
-          <p:nvPr>
-            <p:ph type="title"/>
-          </p:nvPr>
-        </p:nvSpPr>
-        <p:spPr/>
-        <p:txBody>
-          <a:bodyPr/>
-          <a:lstStyle/>
-          <a:p>
-            <a:r>
-              <a:rPr lang="fr-FR" dirty="0"/>
-              <a:t>Définition du thème et validation</a:t>
-            </a:r>
-          </a:p>
-        </p:txBody>
-      </p:sp>
-      <p:pic>
-        <p:nvPicPr>
-          <p:cNvPr id="7" name="Image 6">
-            <a:extLst>
-              <a:ext uri="{FF2B5EF4-FFF2-40B4-BE49-F238E27FC236}">
-                <a16:creationId xmlns:a16="http://schemas.microsoft.com/office/drawing/2014/main" xmlns="" id="{0BDC9AF7-D36C-441C-BA11-786C43ADFD05}"/>
+                <a16:creationId xmlns:a16="http://schemas.microsoft.com/office/drawing/2014/main" id="{3BDAC090-55E7-49AE-80CC-66BDF4F5B918}"/>
               </a:ext>
             </a:extLst>
           </p:cNvPr>
@@ -15386,8 +15222,8 @@
         </p:blipFill>
         <p:spPr>
           <a:xfrm>
-            <a:off x="2409310" y="1218392"/>
-            <a:ext cx="7863058" cy="5165046"/>
+            <a:off x="1734207" y="1376885"/>
+            <a:ext cx="8723586" cy="4904622"/>
           </a:xfrm>
           <a:prstGeom prst="rect">
             <a:avLst/>
@@ -15396,10 +15232,38 @@
       </p:pic>
       <p:sp>
         <p:nvSpPr>
+          <p:cNvPr id="2" name="Title 1">
+            <a:extLst>
+              <a:ext uri="{FF2B5EF4-FFF2-40B4-BE49-F238E27FC236}">
+                <a16:creationId xmlns:a16="http://schemas.microsoft.com/office/drawing/2014/main" id="{F283C22D-4F1C-47F6-A2DC-3B429FBB043F}"/>
+              </a:ext>
+            </a:extLst>
+          </p:cNvPr>
+          <p:cNvSpPr>
+            <a:spLocks noGrp="1"/>
+          </p:cNvSpPr>
+          <p:nvPr>
+            <p:ph type="title"/>
+          </p:nvPr>
+        </p:nvSpPr>
+        <p:spPr/>
+        <p:txBody>
+          <a:bodyPr/>
+          <a:lstStyle/>
+          <a:p>
+            <a:r>
+              <a:rPr lang="fr-FR" dirty="0"/>
+              <a:t>Définition du thème et validation</a:t>
+            </a:r>
+          </a:p>
+        </p:txBody>
+      </p:sp>
+      <p:sp>
+        <p:nvSpPr>
           <p:cNvPr id="8" name="ZoneTexte 7">
             <a:extLst>
               <a:ext uri="{FF2B5EF4-FFF2-40B4-BE49-F238E27FC236}">
-                <a16:creationId xmlns:a16="http://schemas.microsoft.com/office/drawing/2014/main" xmlns="" id="{CF7ECA87-A176-44C2-91A3-3533609B697C}"/>
+                <a16:creationId xmlns:a16="http://schemas.microsoft.com/office/drawing/2014/main" id="{CF7ECA87-A176-44C2-91A3-3533609B697C}"/>
               </a:ext>
             </a:extLst>
           </p:cNvPr>
@@ -15408,7 +15272,7 @@
         </p:nvSpPr>
         <p:spPr>
           <a:xfrm>
-            <a:off x="4993558" y="2448914"/>
+            <a:off x="4748719" y="2905784"/>
             <a:ext cx="2694562" cy="523220"/>
           </a:xfrm>
           <a:prstGeom prst="rect">
@@ -15466,7 +15330,7 @@
           <p:cNvPr id="9" name="ZoneTexte 8">
             <a:extLst>
               <a:ext uri="{FF2B5EF4-FFF2-40B4-BE49-F238E27FC236}">
-                <a16:creationId xmlns:a16="http://schemas.microsoft.com/office/drawing/2014/main" xmlns="" id="{6BD88FB9-98FD-4559-BFDD-FF77B5773D3E}"/>
+                <a16:creationId xmlns:a16="http://schemas.microsoft.com/office/drawing/2014/main" id="{6BD88FB9-98FD-4559-BFDD-FF77B5773D3E}"/>
               </a:ext>
             </a:extLst>
           </p:cNvPr>
@@ -15475,7 +15339,7 @@
         </p:nvSpPr>
         <p:spPr>
           <a:xfrm>
-            <a:off x="4993558" y="1769301"/>
+            <a:off x="4748719" y="2128540"/>
             <a:ext cx="2694562" cy="523220"/>
           </a:xfrm>
           <a:prstGeom prst="rect">
@@ -15533,7 +15397,7 @@
           <p:cNvPr id="10" name="ZoneTexte 9">
             <a:extLst>
               <a:ext uri="{FF2B5EF4-FFF2-40B4-BE49-F238E27FC236}">
-                <a16:creationId xmlns:a16="http://schemas.microsoft.com/office/drawing/2014/main" xmlns="" id="{2BC20C6B-7879-45EA-AAE6-E44204E00D91}"/>
+                <a16:creationId xmlns:a16="http://schemas.microsoft.com/office/drawing/2014/main" id="{2BC20C6B-7879-45EA-AAE6-E44204E00D91}"/>
               </a:ext>
             </a:extLst>
           </p:cNvPr>
@@ -15542,7 +15406,7 @@
         </p:nvSpPr>
         <p:spPr>
           <a:xfrm>
-            <a:off x="4993558" y="5860218"/>
+            <a:off x="4748719" y="1398383"/>
             <a:ext cx="2694562" cy="523220"/>
           </a:xfrm>
           <a:prstGeom prst="rect">
@@ -15647,13 +15511,6 @@
   <p:clrMapOvr>
     <a:masterClrMapping/>
   </p:clrMapOvr>
-  <p:timing>
-    <p:tnLst>
-      <p:par>
-        <p:cTn id="1" dur="indefinite" restart="never" nodeType="tmRoot"/>
-      </p:par>
-    </p:tnLst>
-  </p:timing>
 </p:sld>
 </file>
 
@@ -15679,7 +15536,7 @@
           <p:cNvPr id="2" name="Title 1">
             <a:extLst>
               <a:ext uri="{FF2B5EF4-FFF2-40B4-BE49-F238E27FC236}">
-                <a16:creationId xmlns:a16="http://schemas.microsoft.com/office/drawing/2014/main" xmlns="" id="{6D792507-2C8E-4E9D-81EC-AE3250860F6D}"/>
+                <a16:creationId xmlns:a16="http://schemas.microsoft.com/office/drawing/2014/main" id="{6D792507-2C8E-4E9D-81EC-AE3250860F6D}"/>
               </a:ext>
             </a:extLst>
           </p:cNvPr>
@@ -15701,10 +15558,9 @@
           <a:lstStyle/>
           <a:p>
             <a:r>
-              <a:rPr lang="fr-FR" dirty="0" smtClean="0"/>
+              <a:rPr lang="fr-FR" dirty="0"/>
               <a:t>Planning</a:t>
             </a:r>
-            <a:endParaRPr lang="fr-FR" dirty="0"/>
           </a:p>
         </p:txBody>
       </p:sp>
@@ -15763,13 +15619,6 @@
   <p:clrMapOvr>
     <a:masterClrMapping/>
   </p:clrMapOvr>
-  <p:timing>
-    <p:tnLst>
-      <p:par>
-        <p:cTn id="1" dur="indefinite" restart="never" nodeType="tmRoot"/>
-      </p:par>
-    </p:tnLst>
-  </p:timing>
 </p:sld>
 </file>
 
@@ -15795,7 +15644,7 @@
           <p:cNvPr id="2" name="Title 1">
             <a:extLst>
               <a:ext uri="{FF2B5EF4-FFF2-40B4-BE49-F238E27FC236}">
-                <a16:creationId xmlns:a16="http://schemas.microsoft.com/office/drawing/2014/main" xmlns="" id="{9AC59272-4F45-46D5-AB7A-E1872746D685}"/>
+                <a16:creationId xmlns:a16="http://schemas.microsoft.com/office/drawing/2014/main" id="{9AC59272-4F45-46D5-AB7A-E1872746D685}"/>
               </a:ext>
             </a:extLst>
           </p:cNvPr>
@@ -15831,7 +15680,7 @@
           <p:cNvPr id="3" name="Content Placeholder 2">
             <a:extLst>
               <a:ext uri="{FF2B5EF4-FFF2-40B4-BE49-F238E27FC236}">
-                <a16:creationId xmlns:a16="http://schemas.microsoft.com/office/drawing/2014/main" xmlns="" id="{2FBDF76E-6A86-44AE-83E9-4E0BE9A62B95}"/>
+                <a16:creationId xmlns:a16="http://schemas.microsoft.com/office/drawing/2014/main" id="{2FBDF76E-6A86-44AE-83E9-4E0BE9A62B95}"/>
               </a:ext>
             </a:extLst>
           </p:cNvPr>
@@ -15884,13 +15733,6 @@
   <p:clrMapOvr>
     <a:masterClrMapping/>
   </p:clrMapOvr>
-  <p:timing>
-    <p:tnLst>
-      <p:par>
-        <p:cTn id="1" dur="indefinite" restart="never" nodeType="tmRoot"/>
-      </p:par>
-    </p:tnLst>
-  </p:timing>
 </p:sld>
 </file>
 
@@ -15916,7 +15758,7 @@
           <p:cNvPr id="2" name="Title 1">
             <a:extLst>
               <a:ext uri="{FF2B5EF4-FFF2-40B4-BE49-F238E27FC236}">
-                <a16:creationId xmlns:a16="http://schemas.microsoft.com/office/drawing/2014/main" xmlns="" id="{B6A214DB-9701-4408-A453-985FF50CC9C8}"/>
+                <a16:creationId xmlns:a16="http://schemas.microsoft.com/office/drawing/2014/main" id="{B6A214DB-9701-4408-A453-985FF50CC9C8}"/>
               </a:ext>
             </a:extLst>
           </p:cNvPr>
@@ -15944,7 +15786,7 @@
           <p:cNvPr id="3" name="Content Placeholder 2">
             <a:extLst>
               <a:ext uri="{FF2B5EF4-FFF2-40B4-BE49-F238E27FC236}">
-                <a16:creationId xmlns:a16="http://schemas.microsoft.com/office/drawing/2014/main" xmlns="" id="{EB9DDBC6-5F4D-4A0B-8177-3F5AE00A9828}"/>
+                <a16:creationId xmlns:a16="http://schemas.microsoft.com/office/drawing/2014/main" id="{EB9DDBC6-5F4D-4A0B-8177-3F5AE00A9828}"/>
               </a:ext>
             </a:extLst>
           </p:cNvPr>
@@ -15997,13 +15839,6 @@
   <p:clrMapOvr>
     <a:masterClrMapping/>
   </p:clrMapOvr>
-  <p:timing>
-    <p:tnLst>
-      <p:par>
-        <p:cTn id="1" dur="indefinite" restart="never" nodeType="tmRoot"/>
-      </p:par>
-    </p:tnLst>
-  </p:timing>
 </p:sld>
 </file>
 
@@ -16029,7 +15864,7 @@
           <p:cNvPr id="2" name="Title 1">
             <a:extLst>
               <a:ext uri="{FF2B5EF4-FFF2-40B4-BE49-F238E27FC236}">
-                <a16:creationId xmlns:a16="http://schemas.microsoft.com/office/drawing/2014/main" xmlns="" id="{A3CA65EF-64CB-485F-9EFD-7BB1A7E23C0F}"/>
+                <a16:creationId xmlns:a16="http://schemas.microsoft.com/office/drawing/2014/main" id="{A3CA65EF-64CB-485F-9EFD-7BB1A7E23C0F}"/>
               </a:ext>
             </a:extLst>
           </p:cNvPr>
@@ -16065,7 +15900,7 @@
           <p:cNvPr id="3" name="Content Placeholder 2">
             <a:extLst>
               <a:ext uri="{FF2B5EF4-FFF2-40B4-BE49-F238E27FC236}">
-                <a16:creationId xmlns:a16="http://schemas.microsoft.com/office/drawing/2014/main" xmlns="" id="{AE8EB3E2-B0C8-492C-BE05-BD59E6A55F99}"/>
+                <a16:creationId xmlns:a16="http://schemas.microsoft.com/office/drawing/2014/main" id="{AE8EB3E2-B0C8-492C-BE05-BD59E6A55F99}"/>
               </a:ext>
             </a:extLst>
           </p:cNvPr>
@@ -16118,13 +15953,6 @@
   <p:clrMapOvr>
     <a:masterClrMapping/>
   </p:clrMapOvr>
-  <p:timing>
-    <p:tnLst>
-      <p:par>
-        <p:cTn id="1" dur="indefinite" restart="never" nodeType="tmRoot"/>
-      </p:par>
-    </p:tnLst>
-  </p:timing>
 </p:sld>
 </file>
 
@@ -16150,7 +15978,7 @@
           <p:cNvPr id="2" name="Title 1">
             <a:extLst>
               <a:ext uri="{FF2B5EF4-FFF2-40B4-BE49-F238E27FC236}">
-                <a16:creationId xmlns:a16="http://schemas.microsoft.com/office/drawing/2014/main" xmlns="" id="{81768533-6623-45B0-9CFB-3DE85670D0AE}"/>
+                <a16:creationId xmlns:a16="http://schemas.microsoft.com/office/drawing/2014/main" id="{81768533-6623-45B0-9CFB-3DE85670D0AE}"/>
               </a:ext>
             </a:extLst>
           </p:cNvPr>
@@ -16178,7 +16006,7 @@
           <p:cNvPr id="3" name="Content Placeholder 2">
             <a:extLst>
               <a:ext uri="{FF2B5EF4-FFF2-40B4-BE49-F238E27FC236}">
-                <a16:creationId xmlns:a16="http://schemas.microsoft.com/office/drawing/2014/main" xmlns="" id="{DE19F94A-CB45-4F6F-B21A-68FE1F2780E9}"/>
+                <a16:creationId xmlns:a16="http://schemas.microsoft.com/office/drawing/2014/main" id="{DE19F94A-CB45-4F6F-B21A-68FE1F2780E9}"/>
               </a:ext>
             </a:extLst>
           </p:cNvPr>
@@ -16268,13 +16096,6 @@
   <p:clrMapOvr>
     <a:masterClrMapping/>
   </p:clrMapOvr>
-  <p:timing>
-    <p:tnLst>
-      <p:par>
-        <p:cTn id="1" dur="indefinite" restart="never" nodeType="tmRoot"/>
-      </p:par>
-    </p:tnLst>
-  </p:timing>
 </p:sld>
 </file>
 
@@ -16300,7 +16121,7 @@
           <p:cNvPr id="2" name="Title 1">
             <a:extLst>
               <a:ext uri="{FF2B5EF4-FFF2-40B4-BE49-F238E27FC236}">
-                <a16:creationId xmlns:a16="http://schemas.microsoft.com/office/drawing/2014/main" xmlns="" id="{CDC8EAB1-352F-4CC4-BDA6-61191780EA86}"/>
+                <a16:creationId xmlns:a16="http://schemas.microsoft.com/office/drawing/2014/main" id="{CDC8EAB1-352F-4CC4-BDA6-61191780EA86}"/>
               </a:ext>
             </a:extLst>
           </p:cNvPr>
@@ -16525,13 +16346,6 @@
   <p:clrMapOvr>
     <a:masterClrMapping/>
   </p:clrMapOvr>
-  <p:timing>
-    <p:tnLst>
-      <p:par>
-        <p:cTn id="1" dur="indefinite" restart="never" nodeType="tmRoot"/>
-      </p:par>
-    </p:tnLst>
-  </p:timing>
 </p:sld>
 </file>
 
@@ -16557,7 +16371,7 @@
           <p:cNvPr id="2" name="Title 1">
             <a:extLst>
               <a:ext uri="{FF2B5EF4-FFF2-40B4-BE49-F238E27FC236}">
-                <a16:creationId xmlns:a16="http://schemas.microsoft.com/office/drawing/2014/main" xmlns="" id="{791589A9-363B-4486-80E8-1100CA0ADD46}"/>
+                <a16:creationId xmlns:a16="http://schemas.microsoft.com/office/drawing/2014/main" id="{791589A9-363B-4486-80E8-1100CA0ADD46}"/>
               </a:ext>
             </a:extLst>
           </p:cNvPr>
@@ -16643,13 +16457,6 @@
   <p:clrMapOvr>
     <a:masterClrMapping/>
   </p:clrMapOvr>
-  <p:timing>
-    <p:tnLst>
-      <p:par>
-        <p:cTn id="1" dur="indefinite" restart="never" nodeType="tmRoot"/>
-      </p:par>
-    </p:tnLst>
-  </p:timing>
 </p:sld>
 </file>
 
@@ -16675,7 +16482,7 @@
           <p:cNvPr id="2" name="Title 1">
             <a:extLst>
               <a:ext uri="{FF2B5EF4-FFF2-40B4-BE49-F238E27FC236}">
-                <a16:creationId xmlns:a16="http://schemas.microsoft.com/office/drawing/2014/main" xmlns="" id="{87B16220-F4EF-42E6-AD6C-2B916BFCD9AA}"/>
+                <a16:creationId xmlns:a16="http://schemas.microsoft.com/office/drawing/2014/main" id="{87B16220-F4EF-42E6-AD6C-2B916BFCD9AA}"/>
               </a:ext>
             </a:extLst>
           </p:cNvPr>
@@ -16773,13 +16580,6 @@
   <p:clrMapOvr>
     <a:masterClrMapping/>
   </p:clrMapOvr>
-  <p:timing>
-    <p:tnLst>
-      <p:par>
-        <p:cTn id="1" dur="indefinite" restart="never" nodeType="tmRoot"/>
-      </p:par>
-    </p:tnLst>
-  </p:timing>
 </p:sld>
 </file>
 
@@ -16805,7 +16605,7 @@
           <p:cNvPr id="2" name="Title 1">
             <a:extLst>
               <a:ext uri="{FF2B5EF4-FFF2-40B4-BE49-F238E27FC236}">
-                <a16:creationId xmlns:a16="http://schemas.microsoft.com/office/drawing/2014/main" xmlns="" id="{C5F9F1A8-6C9D-405C-A880-FAF17029E71B}"/>
+                <a16:creationId xmlns:a16="http://schemas.microsoft.com/office/drawing/2014/main" id="{C5F9F1A8-6C9D-405C-A880-FAF17029E71B}"/>
               </a:ext>
             </a:extLst>
           </p:cNvPr>
@@ -16833,7 +16633,7 @@
           <p:cNvPr id="3" name="Content Placeholder 2">
             <a:extLst>
               <a:ext uri="{FF2B5EF4-FFF2-40B4-BE49-F238E27FC236}">
-                <a16:creationId xmlns:a16="http://schemas.microsoft.com/office/drawing/2014/main" xmlns="" id="{B363DDEA-9258-4A5A-A4FD-48307C3AB610}"/>
+                <a16:creationId xmlns:a16="http://schemas.microsoft.com/office/drawing/2014/main" id="{B363DDEA-9258-4A5A-A4FD-48307C3AB610}"/>
               </a:ext>
             </a:extLst>
           </p:cNvPr>
@@ -16879,17 +16679,15 @@
           </a:p>
           <a:p>
             <a:r>
-              <a:rPr lang="fr-FR" dirty="0" smtClean="0"/>
+              <a:rPr lang="fr-FR" dirty="0"/>
               <a:t>Convivial</a:t>
             </a:r>
-            <a:endParaRPr lang="fr-FR" dirty="0"/>
           </a:p>
           <a:p>
             <a:r>
-              <a:rPr lang="fr-FR" dirty="0" smtClean="0"/>
+              <a:rPr lang="fr-FR" dirty="0"/>
               <a:t>Décompressé</a:t>
             </a:r>
-            <a:endParaRPr lang="fr-FR" dirty="0"/>
           </a:p>
           <a:p>
             <a:pPr marL="0" indent="0">
@@ -16934,13 +16732,6 @@
   <p:clrMapOvr>
     <a:masterClrMapping/>
   </p:clrMapOvr>
-  <p:timing>
-    <p:tnLst>
-      <p:par>
-        <p:cTn id="1" dur="indefinite" restart="never" nodeType="tmRoot"/>
-      </p:par>
-    </p:tnLst>
-  </p:timing>
 </p:sld>
 </file>
 
@@ -16966,7 +16757,7 @@
           <p:cNvPr id="2" name="Title 1">
             <a:extLst>
               <a:ext uri="{FF2B5EF4-FFF2-40B4-BE49-F238E27FC236}">
-                <a16:creationId xmlns:a16="http://schemas.microsoft.com/office/drawing/2014/main" xmlns="" id="{92227FFE-A051-4FD3-85D7-B0E1B33F857E}"/>
+                <a16:creationId xmlns:a16="http://schemas.microsoft.com/office/drawing/2014/main" id="{92227FFE-A051-4FD3-85D7-B0E1B33F857E}"/>
               </a:ext>
             </a:extLst>
           </p:cNvPr>
@@ -16994,7 +16785,7 @@
           <p:cNvPr id="3" name="Content Placeholder 2">
             <a:extLst>
               <a:ext uri="{FF2B5EF4-FFF2-40B4-BE49-F238E27FC236}">
-                <a16:creationId xmlns:a16="http://schemas.microsoft.com/office/drawing/2014/main" xmlns="" id="{A2E43708-BBB8-46B1-B7F5-E5E4877F0618}"/>
+                <a16:creationId xmlns:a16="http://schemas.microsoft.com/office/drawing/2014/main" id="{A2E43708-BBB8-46B1-B7F5-E5E4877F0618}"/>
               </a:ext>
             </a:extLst>
           </p:cNvPr>
@@ -17084,13 +16875,6 @@
   <p:clrMapOvr>
     <a:masterClrMapping/>
   </p:clrMapOvr>
-  <p:timing>
-    <p:tnLst>
-      <p:par>
-        <p:cTn id="1" dur="indefinite" restart="never" nodeType="tmRoot"/>
-      </p:par>
-    </p:tnLst>
-  </p:timing>
 </p:sld>
 </file>
 
@@ -17116,7 +16900,7 @@
           <p:cNvPr id="2" name="Title 1">
             <a:extLst>
               <a:ext uri="{FF2B5EF4-FFF2-40B4-BE49-F238E27FC236}">
-                <a16:creationId xmlns:a16="http://schemas.microsoft.com/office/drawing/2014/main" xmlns="" id="{9BBFD4D0-8F48-4108-9EE7-1DBAAFEE04E6}"/>
+                <a16:creationId xmlns:a16="http://schemas.microsoft.com/office/drawing/2014/main" id="{9BBFD4D0-8F48-4108-9EE7-1DBAAFEE04E6}"/>
               </a:ext>
             </a:extLst>
           </p:cNvPr>
@@ -17144,7 +16928,7 @@
           <p:cNvPr id="3" name="Content Placeholder 2">
             <a:extLst>
               <a:ext uri="{FF2B5EF4-FFF2-40B4-BE49-F238E27FC236}">
-                <a16:creationId xmlns:a16="http://schemas.microsoft.com/office/drawing/2014/main" xmlns="" id="{BAF5B6E3-0AA9-49ED-AC42-D40105A6DAC5}"/>
+                <a16:creationId xmlns:a16="http://schemas.microsoft.com/office/drawing/2014/main" id="{BAF5B6E3-0AA9-49ED-AC42-D40105A6DAC5}"/>
               </a:ext>
             </a:extLst>
           </p:cNvPr>
@@ -17180,32 +16964,22 @@
           <a:p>
             <a:pPr lvl="1"/>
             <a:r>
-              <a:rPr lang="fr-FR" dirty="0" smtClean="0"/>
-              <a:t>Créatio</a:t>
+              <a:rPr lang="fr-FR" dirty="0"/>
+              <a:t>Création d’un jeu sérieux</a:t>
             </a:r>
-            <a:r>
-              <a:rPr lang="fr-FR" dirty="0" smtClean="0"/>
-              <a:t>n d’un jeu sérieux</a:t>
-            </a:r>
-            <a:endParaRPr lang="fr-FR" dirty="0"/>
           </a:p>
           <a:p>
             <a:pPr lvl="1"/>
             <a:r>
-              <a:rPr lang="fr-FR" dirty="0" smtClean="0"/>
+              <a:rPr lang="fr-FR" dirty="0"/>
               <a:t>Le thème doit porter sur un des cours du DUT MMI</a:t>
             </a:r>
-            <a:endParaRPr lang="fr-FR" dirty="0"/>
           </a:p>
           <a:p>
             <a:pPr lvl="1"/>
             <a:r>
-              <a:rPr lang="fr-FR" dirty="0" smtClean="0"/>
-              <a:t>Le jeu doit être ludique </a:t>
-            </a:r>
-            <a:r>
               <a:rPr lang="fr-FR" dirty="0"/>
-              <a:t>et éducatif</a:t>
+              <a:t>Le jeu doit être ludique et éducatif</a:t>
             </a:r>
           </a:p>
         </p:txBody>
@@ -17243,13 +17017,6 @@
   <p:clrMapOvr>
     <a:masterClrMapping/>
   </p:clrMapOvr>
-  <p:timing>
-    <p:tnLst>
-      <p:par>
-        <p:cTn id="1" dur="indefinite" restart="never" nodeType="tmRoot"/>
-      </p:par>
-    </p:tnLst>
-  </p:timing>
 </p:sld>
 </file>
 
@@ -17309,10 +17076,9 @@
           <a:lstStyle/>
           <a:p>
             <a:r>
-              <a:rPr lang="fr-FR" dirty="0" smtClean="0"/>
+              <a:rPr lang="fr-FR" dirty="0"/>
               <a:t>Etudes de logiciels et choix</a:t>
             </a:r>
-            <a:endParaRPr lang="fr-FR" dirty="0"/>
           </a:p>
         </p:txBody>
       </p:sp>
@@ -17395,13 +17161,6 @@
   <p:clrMapOvr>
     <a:masterClrMapping/>
   </p:clrMapOvr>
-  <p:timing>
-    <p:tnLst>
-      <p:par>
-        <p:cTn id="1" dur="indefinite" restart="never" nodeType="tmRoot"/>
-      </p:par>
-    </p:tnLst>
-  </p:timing>
 </p:sld>
 </file>
 
